--- a/Fase 1/Actividad Proyecto 1/A2501/EV02/VIDEO DE PRESENTATION.pptx
+++ b/Fase 1/Actividad Proyecto 1/A2501/EV02/VIDEO DE PRESENTATION.pptx
@@ -5,11 +5,12 @@
     <p:sldMasterId id="2147483701" r:id="rId1"/>
   </p:sldMasterIdLst>
   <p:sldIdLst>
-    <p:sldId id="256" r:id="rId2"/>
-    <p:sldId id="257" r:id="rId3"/>
-    <p:sldId id="258" r:id="rId4"/>
-    <p:sldId id="259" r:id="rId5"/>
-    <p:sldId id="260" r:id="rId6"/>
+    <p:sldId id="261" r:id="rId2"/>
+    <p:sldId id="256" r:id="rId3"/>
+    <p:sldId id="257" r:id="rId4"/>
+    <p:sldId id="258" r:id="rId5"/>
+    <p:sldId id="259" r:id="rId6"/>
+    <p:sldId id="260" r:id="rId7"/>
   </p:sldIdLst>
   <p:sldSz cx="12192000" cy="6858000"/>
   <p:notesSz cx="6858000" cy="9144000"/>
@@ -304,7 +305,7 @@
           <a:p>
             <a:fld id="{3E6ACBE1-78E3-4D68-927B-CCEA0490E4DD}" type="datetimeFigureOut">
               <a:rPr lang="es-MX" smtClean="0"/>
-              <a:t>05/07/2022</a:t>
+              <a:t>12/07/2022</a:t>
             </a:fld>
             <a:endParaRPr lang="es-MX"/>
           </a:p>
@@ -642,7 +643,7 @@
           <a:p>
             <a:fld id="{3E6ACBE1-78E3-4D68-927B-CCEA0490E4DD}" type="datetimeFigureOut">
               <a:rPr lang="es-MX" smtClean="0"/>
-              <a:t>05/07/2022</a:t>
+              <a:t>12/07/2022</a:t>
             </a:fld>
             <a:endParaRPr lang="es-MX"/>
           </a:p>
@@ -1043,7 +1044,7 @@
           <a:p>
             <a:fld id="{3E6ACBE1-78E3-4D68-927B-CCEA0490E4DD}" type="datetimeFigureOut">
               <a:rPr lang="es-MX" smtClean="0"/>
-              <a:t>05/07/2022</a:t>
+              <a:t>12/07/2022</a:t>
             </a:fld>
             <a:endParaRPr lang="es-MX"/>
           </a:p>
@@ -1379,7 +1380,7 @@
           <a:p>
             <a:fld id="{3E6ACBE1-78E3-4D68-927B-CCEA0490E4DD}" type="datetimeFigureOut">
               <a:rPr lang="es-MX" smtClean="0"/>
-              <a:t>05/07/2022</a:t>
+              <a:t>12/07/2022</a:t>
             </a:fld>
             <a:endParaRPr lang="es-MX"/>
           </a:p>
@@ -1699,7 +1700,7 @@
           <a:p>
             <a:fld id="{3E6ACBE1-78E3-4D68-927B-CCEA0490E4DD}" type="datetimeFigureOut">
               <a:rPr lang="es-MX" smtClean="0"/>
-              <a:t>05/07/2022</a:t>
+              <a:t>12/07/2022</a:t>
             </a:fld>
             <a:endParaRPr lang="es-MX"/>
           </a:p>
@@ -2095,7 +2096,7 @@
           <a:p>
             <a:fld id="{3E6ACBE1-78E3-4D68-927B-CCEA0490E4DD}" type="datetimeFigureOut">
               <a:rPr lang="es-MX" smtClean="0"/>
-              <a:t>05/07/2022</a:t>
+              <a:t>12/07/2022</a:t>
             </a:fld>
             <a:endParaRPr lang="es-MX"/>
           </a:p>
@@ -2352,7 +2353,7 @@
           <a:p>
             <a:fld id="{3E6ACBE1-78E3-4D68-927B-CCEA0490E4DD}" type="datetimeFigureOut">
               <a:rPr lang="es-MX" smtClean="0"/>
-              <a:t>05/07/2022</a:t>
+              <a:t>12/07/2022</a:t>
             </a:fld>
             <a:endParaRPr lang="es-MX"/>
           </a:p>
@@ -2614,7 +2615,7 @@
           <a:p>
             <a:fld id="{3E6ACBE1-78E3-4D68-927B-CCEA0490E4DD}" type="datetimeFigureOut">
               <a:rPr lang="es-MX" smtClean="0"/>
-              <a:t>05/07/2022</a:t>
+              <a:t>12/07/2022</a:t>
             </a:fld>
             <a:endParaRPr lang="es-MX"/>
           </a:p>
@@ -2876,7 +2877,7 @@
           <a:p>
             <a:fld id="{3E6ACBE1-78E3-4D68-927B-CCEA0490E4DD}" type="datetimeFigureOut">
               <a:rPr lang="es-MX" smtClean="0"/>
-              <a:t>05/07/2022</a:t>
+              <a:t>12/07/2022</a:t>
             </a:fld>
             <a:endParaRPr lang="es-MX"/>
           </a:p>
@@ -3205,7 +3206,7 @@
           <a:p>
             <a:fld id="{3E6ACBE1-78E3-4D68-927B-CCEA0490E4DD}" type="datetimeFigureOut">
               <a:rPr lang="es-MX" smtClean="0"/>
-              <a:t>05/07/2022</a:t>
+              <a:t>12/07/2022</a:t>
             </a:fld>
             <a:endParaRPr lang="es-MX"/>
           </a:p>
@@ -3528,7 +3529,7 @@
           <a:p>
             <a:fld id="{3E6ACBE1-78E3-4D68-927B-CCEA0490E4DD}" type="datetimeFigureOut">
               <a:rPr lang="es-MX" smtClean="0"/>
-              <a:t>05/07/2022</a:t>
+              <a:t>12/07/2022</a:t>
             </a:fld>
             <a:endParaRPr lang="es-MX"/>
           </a:p>
@@ -3985,7 +3986,7 @@
           <a:p>
             <a:fld id="{3E6ACBE1-78E3-4D68-927B-CCEA0490E4DD}" type="datetimeFigureOut">
               <a:rPr lang="es-MX" smtClean="0"/>
-              <a:t>05/07/2022</a:t>
+              <a:t>12/07/2022</a:t>
             </a:fld>
             <a:endParaRPr lang="es-MX"/>
           </a:p>
@@ -4190,7 +4191,7 @@
           <a:p>
             <a:fld id="{3E6ACBE1-78E3-4D68-927B-CCEA0490E4DD}" type="datetimeFigureOut">
               <a:rPr lang="es-MX" smtClean="0"/>
-              <a:t>05/07/2022</a:t>
+              <a:t>12/07/2022</a:t>
             </a:fld>
             <a:endParaRPr lang="es-MX"/>
           </a:p>
@@ -4367,7 +4368,7 @@
           <a:p>
             <a:fld id="{3E6ACBE1-78E3-4D68-927B-CCEA0490E4DD}" type="datetimeFigureOut">
               <a:rPr lang="es-MX" smtClean="0"/>
-              <a:t>05/07/2022</a:t>
+              <a:t>12/07/2022</a:t>
             </a:fld>
             <a:endParaRPr lang="es-MX"/>
           </a:p>
@@ -4700,7 +4701,7 @@
           <a:p>
             <a:fld id="{3E6ACBE1-78E3-4D68-927B-CCEA0490E4DD}" type="datetimeFigureOut">
               <a:rPr lang="es-MX" smtClean="0"/>
-              <a:t>05/07/2022</a:t>
+              <a:t>12/07/2022</a:t>
             </a:fld>
             <a:endParaRPr lang="es-MX"/>
           </a:p>
@@ -5045,7 +5046,7 @@
           <a:p>
             <a:fld id="{3E6ACBE1-78E3-4D68-927B-CCEA0490E4DD}" type="datetimeFigureOut">
               <a:rPr lang="es-MX" smtClean="0"/>
-              <a:t>05/07/2022</a:t>
+              <a:t>12/07/2022</a:t>
             </a:fld>
             <a:endParaRPr lang="es-MX"/>
           </a:p>
@@ -7162,7 +7163,7 @@
           <a:p>
             <a:fld id="{3E6ACBE1-78E3-4D68-927B-CCEA0490E4DD}" type="datetimeFigureOut">
               <a:rPr lang="es-MX" smtClean="0"/>
-              <a:t>05/07/2022</a:t>
+              <a:t>12/07/2022</a:t>
             </a:fld>
             <a:endParaRPr lang="es-MX"/>
           </a:p>
@@ -7682,6 +7683,203 @@
       </p:grpSpPr>
       <p:sp>
         <p:nvSpPr>
+          <p:cNvPr id="10" name="Título 1">
+            <a:extLst>
+              <a:ext uri="{FF2B5EF4-FFF2-40B4-BE49-F238E27FC236}">
+                <a16:creationId xmlns:a16="http://schemas.microsoft.com/office/drawing/2014/main" id="{898B436B-4228-1E62-5B4C-A24352B6BBBC}"/>
+              </a:ext>
+            </a:extLst>
+          </p:cNvPr>
+          <p:cNvSpPr txBox="1">
+            <a:spLocks/>
+          </p:cNvSpPr>
+          <p:nvPr/>
+        </p:nvSpPr>
+        <p:spPr>
+          <a:xfrm>
+            <a:off x="3180957" y="699853"/>
+            <a:ext cx="4949566" cy="1227666"/>
+          </a:xfrm>
+          <a:prstGeom prst="rect">
+            <a:avLst/>
+          </a:prstGeom>
+        </p:spPr>
+        <p:txBody>
+          <a:bodyPr vert="horz" lIns="91440" tIns="45720" rIns="91440" bIns="45720" rtlCol="0" anchor="t">
+            <a:normAutofit fontScale="97500"/>
+          </a:bodyPr>
+          <a:lstStyle>
+            <a:lvl1pPr algn="l" defTabSz="457200" rtl="0" eaLnBrk="1" latinLnBrk="0" hangingPunct="1">
+              <a:spcBef>
+                <a:spcPct val="0"/>
+              </a:spcBef>
+              <a:buNone/>
+              <a:defRPr sz="3600" kern="1200">
+                <a:solidFill>
+                  <a:schemeClr val="tx1">
+                    <a:lumMod val="85000"/>
+                    <a:lumOff val="15000"/>
+                  </a:schemeClr>
+                </a:solidFill>
+                <a:latin typeface="+mj-lt"/>
+                <a:ea typeface="+mj-ea"/>
+                <a:cs typeface="+mj-cs"/>
+              </a:defRPr>
+            </a:lvl1pPr>
+            <a:lvl2pPr eaLnBrk="1" hangingPunct="1">
+              <a:defRPr>
+                <a:solidFill>
+                  <a:schemeClr val="tx2"/>
+                </a:solidFill>
+              </a:defRPr>
+            </a:lvl2pPr>
+            <a:lvl3pPr eaLnBrk="1" hangingPunct="1">
+              <a:defRPr>
+                <a:solidFill>
+                  <a:schemeClr val="tx2"/>
+                </a:solidFill>
+              </a:defRPr>
+            </a:lvl3pPr>
+            <a:lvl4pPr eaLnBrk="1" hangingPunct="1">
+              <a:defRPr>
+                <a:solidFill>
+                  <a:schemeClr val="tx2"/>
+                </a:solidFill>
+              </a:defRPr>
+            </a:lvl4pPr>
+            <a:lvl5pPr eaLnBrk="1" hangingPunct="1">
+              <a:defRPr>
+                <a:solidFill>
+                  <a:schemeClr val="tx2"/>
+                </a:solidFill>
+              </a:defRPr>
+            </a:lvl5pPr>
+            <a:lvl6pPr eaLnBrk="1" hangingPunct="1">
+              <a:defRPr>
+                <a:solidFill>
+                  <a:schemeClr val="tx2"/>
+                </a:solidFill>
+              </a:defRPr>
+            </a:lvl6pPr>
+            <a:lvl7pPr eaLnBrk="1" hangingPunct="1">
+              <a:defRPr>
+                <a:solidFill>
+                  <a:schemeClr val="tx2"/>
+                </a:solidFill>
+              </a:defRPr>
+            </a:lvl7pPr>
+            <a:lvl8pPr eaLnBrk="1" hangingPunct="1">
+              <a:defRPr>
+                <a:solidFill>
+                  <a:schemeClr val="tx2"/>
+                </a:solidFill>
+              </a:defRPr>
+            </a:lvl8pPr>
+            <a:lvl9pPr eaLnBrk="1" hangingPunct="1">
+              <a:defRPr>
+                <a:solidFill>
+                  <a:schemeClr val="tx2"/>
+                </a:solidFill>
+              </a:defRPr>
+            </a:lvl9pPr>
+          </a:lstStyle>
+          <a:p>
+            <a:pPr algn="ctr"/>
+            <a:r>
+              <a:rPr lang="es-CO" dirty="0">
+                <a:solidFill>
+                  <a:schemeClr val="accent1"/>
+                </a:solidFill>
+              </a:rPr>
+              <a:t>VIDEO DE PRESENTATION </a:t>
+            </a:r>
+            <a:endParaRPr lang="es-MX" dirty="0">
+              <a:solidFill>
+                <a:schemeClr val="accent1"/>
+              </a:solidFill>
+            </a:endParaRPr>
+          </a:p>
+        </p:txBody>
+      </p:sp>
+      <p:pic>
+        <p:nvPicPr>
+          <p:cNvPr id="1026" name="Picture 2" descr="Presentaciones educativas online. Más allá del Power Point - Magisnet">
+            <a:extLst>
+              <a:ext uri="{FF2B5EF4-FFF2-40B4-BE49-F238E27FC236}">
+                <a16:creationId xmlns:a16="http://schemas.microsoft.com/office/drawing/2014/main" id="{77D58DA4-4CB5-8E12-879B-580D2A8EE934}"/>
+              </a:ext>
+            </a:extLst>
+          </p:cNvPr>
+          <p:cNvPicPr>
+            <a:picLocks noChangeAspect="1" noChangeArrowheads="1"/>
+          </p:cNvPicPr>
+          <p:nvPr/>
+        </p:nvPicPr>
+        <p:blipFill>
+          <a:blip r:embed="rId2">
+            <a:extLst>
+              <a:ext uri="{28A0092B-C50C-407E-A947-70E740481C1C}">
+                <a14:useLocalDpi xmlns:a14="http://schemas.microsoft.com/office/drawing/2010/main" val="0"/>
+              </a:ext>
+            </a:extLst>
+          </a:blip>
+          <a:srcRect/>
+          <a:stretch>
+            <a:fillRect/>
+          </a:stretch>
+        </p:blipFill>
+        <p:spPr bwMode="auto">
+          <a:xfrm>
+            <a:off x="2765897" y="2194051"/>
+            <a:ext cx="6096000" cy="4429125"/>
+          </a:xfrm>
+          <a:prstGeom prst="rect">
+            <a:avLst/>
+          </a:prstGeom>
+          <a:noFill/>
+          <a:extLst>
+            <a:ext uri="{909E8E84-426E-40DD-AFC4-6F175D3DCCD1}">
+              <a14:hiddenFill xmlns:a14="http://schemas.microsoft.com/office/drawing/2010/main">
+                <a:solidFill>
+                  <a:srgbClr val="FFFFFF"/>
+                </a:solidFill>
+              </a14:hiddenFill>
+            </a:ext>
+          </a:extLst>
+        </p:spPr>
+      </p:pic>
+    </p:spTree>
+    <p:extLst>
+      <p:ext uri="{BB962C8B-B14F-4D97-AF65-F5344CB8AC3E}">
+        <p14:creationId xmlns:p14="http://schemas.microsoft.com/office/powerpoint/2010/main" val="1116170178"/>
+      </p:ext>
+    </p:extLst>
+  </p:cSld>
+  <p:clrMapOvr>
+    <a:masterClrMapping/>
+  </p:clrMapOvr>
+</p:sld>
+</file>
+
+<file path=ppt/slides/slide2.xml><?xml version="1.0" encoding="utf-8"?>
+<p:sld xmlns:a="http://schemas.openxmlformats.org/drawingml/2006/main" xmlns:r="http://schemas.openxmlformats.org/officeDocument/2006/relationships" xmlns:p="http://schemas.openxmlformats.org/presentationml/2006/main">
+  <p:cSld>
+    <p:spTree>
+      <p:nvGrpSpPr>
+        <p:cNvPr id="1" name=""/>
+        <p:cNvGrpSpPr/>
+        <p:nvPr/>
+      </p:nvGrpSpPr>
+      <p:grpSpPr>
+        <a:xfrm>
+          <a:off x="0" y="0"/>
+          <a:ext cx="0" cy="0"/>
+          <a:chOff x="0" y="0"/>
+          <a:chExt cx="0" cy="0"/>
+        </a:xfrm>
+      </p:grpSpPr>
+      <p:sp>
+        <p:nvSpPr>
           <p:cNvPr id="2" name="Título 1">
             <a:extLst>
               <a:ext uri="{FF2B5EF4-FFF2-40B4-BE49-F238E27FC236}">
@@ -7698,8 +7896,8 @@
         </p:nvSpPr>
         <p:spPr>
           <a:xfrm>
-            <a:off x="2475701" y="618233"/>
-            <a:ext cx="6936523" cy="1126283"/>
+            <a:off x="2475701" y="135467"/>
+            <a:ext cx="6936523" cy="1609049"/>
           </a:xfrm>
         </p:spPr>
         <p:txBody>
@@ -7886,21 +8084,30 @@
           </a:p>
           <a:p>
             <a:r>
+              <a:rPr lang="es-CO" sz="3200" dirty="0">
+                <a:solidFill>
+                  <a:srgbClr val="FF0000"/>
+                </a:solidFill>
+              </a:rPr>
+              <a:t>Esto es para quitar </a:t>
+            </a:r>
+          </a:p>
+          <a:p>
+            <a:r>
               <a:rPr lang="es-CO" sz="3200">
                 <a:solidFill>
                   <a:srgbClr val="FF0000"/>
                 </a:solidFill>
               </a:rPr>
-              <a:t>Esto es para quitar https</a:t>
-            </a:r>
-            <a:r>
-              <a:rPr lang="es-CO" sz="3200" dirty="0">
-                <a:solidFill>
-                  <a:srgbClr val="FF0000"/>
-                </a:solidFill>
-              </a:rPr>
-              <a:t>://www.youtube.com/watch?v=Uvwe9jRqciU&amp;ab_channel=EVALUCYARRIETABARRIOSn</a:t>
-            </a:r>
+              <a:t>https://www.youtube.com/watch?v=Uvwe9jRqciU&amp;ab_channel=EVALUCYARRIETABARRIOS</a:t>
+            </a:r>
+            <a:endParaRPr lang="es-CO" sz="3200" dirty="0">
+              <a:solidFill>
+                <a:srgbClr val="FF0000"/>
+              </a:solidFill>
+            </a:endParaRPr>
+          </a:p>
+          <a:p>
             <a:endParaRPr lang="es-MX" sz="3200" dirty="0">
               <a:solidFill>
                 <a:srgbClr val="FF0000"/>
@@ -7922,7 +8129,7 @@
 </p:sld>
 </file>
 
-<file path=ppt/slides/slide2.xml><?xml version="1.0" encoding="utf-8"?>
+<file path=ppt/slides/slide3.xml><?xml version="1.0" encoding="utf-8"?>
 <p:sld xmlns:a="http://schemas.openxmlformats.org/drawingml/2006/main" xmlns:r="http://schemas.openxmlformats.org/officeDocument/2006/relationships" xmlns:p="http://schemas.openxmlformats.org/presentationml/2006/main">
   <p:cSld>
     <p:spTree>
@@ -8483,7 +8690,7 @@
 </p:sld>
 </file>
 
-<file path=ppt/slides/slide3.xml><?xml version="1.0" encoding="utf-8"?>
+<file path=ppt/slides/slide4.xml><?xml version="1.0" encoding="utf-8"?>
 <p:sld xmlns:a="http://schemas.openxmlformats.org/drawingml/2006/main" xmlns:r="http://schemas.openxmlformats.org/officeDocument/2006/relationships" xmlns:p="http://schemas.openxmlformats.org/presentationml/2006/main">
   <p:cSld>
     <p:spTree>
@@ -9052,7 +9259,7 @@
 </p:sld>
 </file>
 
-<file path=ppt/slides/slide4.xml><?xml version="1.0" encoding="utf-8"?>
+<file path=ppt/slides/slide5.xml><?xml version="1.0" encoding="utf-8"?>
 <p:sld xmlns:a="http://schemas.openxmlformats.org/drawingml/2006/main" xmlns:r="http://schemas.openxmlformats.org/officeDocument/2006/relationships" xmlns:p="http://schemas.openxmlformats.org/presentationml/2006/main">
   <p:cSld>
     <p:spTree>
@@ -9548,7 +9755,7 @@
 </p:sld>
 </file>
 
-<file path=ppt/slides/slide5.xml><?xml version="1.0" encoding="utf-8"?>
+<file path=ppt/slides/slide6.xml><?xml version="1.0" encoding="utf-8"?>
 <p:sld xmlns:a="http://schemas.openxmlformats.org/drawingml/2006/main" xmlns:r="http://schemas.openxmlformats.org/officeDocument/2006/relationships" xmlns:p="http://schemas.openxmlformats.org/presentationml/2006/main">
   <p:cSld>
     <p:spTree>

--- a/Fase 1/Actividad Proyecto 1/A2501/EV02/VIDEO DE PRESENTATION.pptx
+++ b/Fase 1/Actividad Proyecto 1/A2501/EV02/VIDEO DE PRESENTATION.pptx
@@ -305,7 +305,7 @@
           <a:p>
             <a:fld id="{3E6ACBE1-78E3-4D68-927B-CCEA0490E4DD}" type="datetimeFigureOut">
               <a:rPr lang="es-MX" smtClean="0"/>
-              <a:t>12/07/2022</a:t>
+              <a:t>27/08/2022</a:t>
             </a:fld>
             <a:endParaRPr lang="es-MX"/>
           </a:p>
@@ -643,7 +643,7 @@
           <a:p>
             <a:fld id="{3E6ACBE1-78E3-4D68-927B-CCEA0490E4DD}" type="datetimeFigureOut">
               <a:rPr lang="es-MX" smtClean="0"/>
-              <a:t>12/07/2022</a:t>
+              <a:t>27/08/2022</a:t>
             </a:fld>
             <a:endParaRPr lang="es-MX"/>
           </a:p>
@@ -1044,7 +1044,7 @@
           <a:p>
             <a:fld id="{3E6ACBE1-78E3-4D68-927B-CCEA0490E4DD}" type="datetimeFigureOut">
               <a:rPr lang="es-MX" smtClean="0"/>
-              <a:t>12/07/2022</a:t>
+              <a:t>27/08/2022</a:t>
             </a:fld>
             <a:endParaRPr lang="es-MX"/>
           </a:p>
@@ -1380,7 +1380,7 @@
           <a:p>
             <a:fld id="{3E6ACBE1-78E3-4D68-927B-CCEA0490E4DD}" type="datetimeFigureOut">
               <a:rPr lang="es-MX" smtClean="0"/>
-              <a:t>12/07/2022</a:t>
+              <a:t>27/08/2022</a:t>
             </a:fld>
             <a:endParaRPr lang="es-MX"/>
           </a:p>
@@ -1700,7 +1700,7 @@
           <a:p>
             <a:fld id="{3E6ACBE1-78E3-4D68-927B-CCEA0490E4DD}" type="datetimeFigureOut">
               <a:rPr lang="es-MX" smtClean="0"/>
-              <a:t>12/07/2022</a:t>
+              <a:t>27/08/2022</a:t>
             </a:fld>
             <a:endParaRPr lang="es-MX"/>
           </a:p>
@@ -2096,7 +2096,7 @@
           <a:p>
             <a:fld id="{3E6ACBE1-78E3-4D68-927B-CCEA0490E4DD}" type="datetimeFigureOut">
               <a:rPr lang="es-MX" smtClean="0"/>
-              <a:t>12/07/2022</a:t>
+              <a:t>27/08/2022</a:t>
             </a:fld>
             <a:endParaRPr lang="es-MX"/>
           </a:p>
@@ -2353,7 +2353,7 @@
           <a:p>
             <a:fld id="{3E6ACBE1-78E3-4D68-927B-CCEA0490E4DD}" type="datetimeFigureOut">
               <a:rPr lang="es-MX" smtClean="0"/>
-              <a:t>12/07/2022</a:t>
+              <a:t>27/08/2022</a:t>
             </a:fld>
             <a:endParaRPr lang="es-MX"/>
           </a:p>
@@ -2615,7 +2615,7 @@
           <a:p>
             <a:fld id="{3E6ACBE1-78E3-4D68-927B-CCEA0490E4DD}" type="datetimeFigureOut">
               <a:rPr lang="es-MX" smtClean="0"/>
-              <a:t>12/07/2022</a:t>
+              <a:t>27/08/2022</a:t>
             </a:fld>
             <a:endParaRPr lang="es-MX"/>
           </a:p>
@@ -2877,7 +2877,7 @@
           <a:p>
             <a:fld id="{3E6ACBE1-78E3-4D68-927B-CCEA0490E4DD}" type="datetimeFigureOut">
               <a:rPr lang="es-MX" smtClean="0"/>
-              <a:t>12/07/2022</a:t>
+              <a:t>27/08/2022</a:t>
             </a:fld>
             <a:endParaRPr lang="es-MX"/>
           </a:p>
@@ -3206,7 +3206,7 @@
           <a:p>
             <a:fld id="{3E6ACBE1-78E3-4D68-927B-CCEA0490E4DD}" type="datetimeFigureOut">
               <a:rPr lang="es-MX" smtClean="0"/>
-              <a:t>12/07/2022</a:t>
+              <a:t>27/08/2022</a:t>
             </a:fld>
             <a:endParaRPr lang="es-MX"/>
           </a:p>
@@ -3529,7 +3529,7 @@
           <a:p>
             <a:fld id="{3E6ACBE1-78E3-4D68-927B-CCEA0490E4DD}" type="datetimeFigureOut">
               <a:rPr lang="es-MX" smtClean="0"/>
-              <a:t>12/07/2022</a:t>
+              <a:t>27/08/2022</a:t>
             </a:fld>
             <a:endParaRPr lang="es-MX"/>
           </a:p>
@@ -3986,7 +3986,7 @@
           <a:p>
             <a:fld id="{3E6ACBE1-78E3-4D68-927B-CCEA0490E4DD}" type="datetimeFigureOut">
               <a:rPr lang="es-MX" smtClean="0"/>
-              <a:t>12/07/2022</a:t>
+              <a:t>27/08/2022</a:t>
             </a:fld>
             <a:endParaRPr lang="es-MX"/>
           </a:p>
@@ -4191,7 +4191,7 @@
           <a:p>
             <a:fld id="{3E6ACBE1-78E3-4D68-927B-CCEA0490E4DD}" type="datetimeFigureOut">
               <a:rPr lang="es-MX" smtClean="0"/>
-              <a:t>12/07/2022</a:t>
+              <a:t>27/08/2022</a:t>
             </a:fld>
             <a:endParaRPr lang="es-MX"/>
           </a:p>
@@ -4368,7 +4368,7 @@
           <a:p>
             <a:fld id="{3E6ACBE1-78E3-4D68-927B-CCEA0490E4DD}" type="datetimeFigureOut">
               <a:rPr lang="es-MX" smtClean="0"/>
-              <a:t>12/07/2022</a:t>
+              <a:t>27/08/2022</a:t>
             </a:fld>
             <a:endParaRPr lang="es-MX"/>
           </a:p>
@@ -4701,7 +4701,7 @@
           <a:p>
             <a:fld id="{3E6ACBE1-78E3-4D68-927B-CCEA0490E4DD}" type="datetimeFigureOut">
               <a:rPr lang="es-MX" smtClean="0"/>
-              <a:t>12/07/2022</a:t>
+              <a:t>27/08/2022</a:t>
             </a:fld>
             <a:endParaRPr lang="es-MX"/>
           </a:p>
@@ -5046,7 +5046,7 @@
           <a:p>
             <a:fld id="{3E6ACBE1-78E3-4D68-927B-CCEA0490E4DD}" type="datetimeFigureOut">
               <a:rPr lang="es-MX" smtClean="0"/>
-              <a:t>12/07/2022</a:t>
+              <a:t>27/08/2022</a:t>
             </a:fld>
             <a:endParaRPr lang="es-MX"/>
           </a:p>
@@ -7163,7 +7163,7 @@
           <a:p>
             <a:fld id="{3E6ACBE1-78E3-4D68-927B-CCEA0490E4DD}" type="datetimeFigureOut">
               <a:rPr lang="es-MX" smtClean="0"/>
-              <a:t>12/07/2022</a:t>
+              <a:t>27/08/2022</a:t>
             </a:fld>
             <a:endParaRPr lang="es-MX"/>
           </a:p>
@@ -7947,7 +7947,7 @@
         </p:spPr>
         <p:txBody>
           <a:bodyPr>
-            <a:normAutofit fontScale="92500" lnSpcReduction="20000"/>
+            <a:normAutofit/>
           </a:bodyPr>
           <a:lstStyle/>
           <a:p>
@@ -8061,45 +8061,12 @@
               <a:t>NAME OF THE ACTIVITY: </a:t>
             </a:r>
             <a:r>
-              <a:rPr lang="es-CO" sz="3200" dirty="0">
+              <a:rPr lang="es-CO" sz="3200">
                 <a:solidFill>
                   <a:srgbClr val="FF0000"/>
                 </a:solidFill>
               </a:rPr>
-              <a:t>Video </a:t>
-            </a:r>
-            <a:r>
-              <a:rPr lang="es-CO" sz="3200" dirty="0" err="1">
-                <a:solidFill>
-                  <a:srgbClr val="FF0000"/>
-                </a:solidFill>
-              </a:rPr>
-              <a:t>Presentació</a:t>
-            </a:r>
-            <a:endParaRPr lang="es-CO" sz="3200" dirty="0">
-              <a:solidFill>
-                <a:srgbClr val="FF0000"/>
-              </a:solidFill>
-            </a:endParaRPr>
-          </a:p>
-          <a:p>
-            <a:r>
-              <a:rPr lang="es-CO" sz="3200" dirty="0">
-                <a:solidFill>
-                  <a:srgbClr val="FF0000"/>
-                </a:solidFill>
-              </a:rPr>
-              <a:t>Esto es para quitar </a:t>
-            </a:r>
-          </a:p>
-          <a:p>
-            <a:r>
-              <a:rPr lang="es-CO" sz="3200">
-                <a:solidFill>
-                  <a:srgbClr val="FF0000"/>
-                </a:solidFill>
-              </a:rPr>
-              <a:t>https://www.youtube.com/watch?v=Uvwe9jRqciU&amp;ab_channel=EVALUCYARRIETABARRIOS</a:t>
+              <a:t>Video Presentación</a:t>
             </a:r>
             <a:endParaRPr lang="es-CO" sz="3200" dirty="0">
               <a:solidFill>
